--- a/slides/11-data-wrangling-aggregate-group.pptx
+++ b/slides/11-data-wrangling-aggregate-group.pptx
@@ -20,8 +20,8 @@
     <p:sldId id="292" r:id="rId11"/>
     <p:sldId id="294" r:id="rId12"/>
     <p:sldId id="295" r:id="rId13"/>
-    <p:sldId id="297" r:id="rId14"/>
-    <p:sldId id="296" r:id="rId15"/>
+    <p:sldId id="296" r:id="rId14"/>
+    <p:sldId id="297" r:id="rId15"/>
   </p:sldIdLst>
   <p:sldSz cx="12192000" cy="6858000"/>
   <p:notesSz cx="6858000" cy="9144000"/>
@@ -210,7 +210,7 @@
           <a:p>
             <a:fld id="{9C3DEDD4-2C78-554A-AEF5-E26038B7904F}" type="datetimeFigureOut">
               <a:rPr lang="en-US" smtClean="0"/>
-              <a:t>9/28/23</a:t>
+              <a:t>10/3/23</a:t>
             </a:fld>
             <a:endParaRPr lang="en-US"/>
           </a:p>
@@ -702,7 +702,7 @@
             <a:fld id="{5586B75A-687E-405C-8A0B-8D00578BA2C3}" type="datetimeFigureOut">
               <a:rPr lang="en-US" smtClean="0"/>
               <a:pPr/>
-              <a:t>9/28/23</a:t>
+              <a:t>10/3/23</a:t>
             </a:fld>
             <a:endParaRPr lang="en-US" dirty="0"/>
           </a:p>
@@ -874,7 +874,7 @@
             <a:fld id="{5586B75A-687E-405C-8A0B-8D00578BA2C3}" type="datetimeFigureOut">
               <a:rPr lang="en-US" smtClean="0"/>
               <a:pPr/>
-              <a:t>9/28/23</a:t>
+              <a:t>10/3/23</a:t>
             </a:fld>
             <a:endParaRPr lang="en-US" dirty="0"/>
           </a:p>
@@ -1056,7 +1056,7 @@
             <a:fld id="{5586B75A-687E-405C-8A0B-8D00578BA2C3}" type="datetimeFigureOut">
               <a:rPr lang="en-US" smtClean="0"/>
               <a:pPr/>
-              <a:t>9/28/23</a:t>
+              <a:t>10/3/23</a:t>
             </a:fld>
             <a:endParaRPr lang="en-US" dirty="0"/>
           </a:p>
@@ -1228,7 +1228,7 @@
             <a:fld id="{5586B75A-687E-405C-8A0B-8D00578BA2C3}" type="datetimeFigureOut">
               <a:rPr lang="en-US" smtClean="0"/>
               <a:pPr/>
-              <a:t>9/28/23</a:t>
+              <a:t>10/3/23</a:t>
             </a:fld>
             <a:endParaRPr lang="en-US" dirty="0"/>
           </a:p>
@@ -1484,7 +1484,7 @@
             <a:fld id="{5586B75A-687E-405C-8A0B-8D00578BA2C3}" type="datetimeFigureOut">
               <a:rPr lang="en-US" smtClean="0"/>
               <a:pPr/>
-              <a:t>9/28/23</a:t>
+              <a:t>10/3/23</a:t>
             </a:fld>
             <a:endParaRPr lang="en-US" dirty="0"/>
           </a:p>
@@ -1774,7 +1774,7 @@
             <a:fld id="{5586B75A-687E-405C-8A0B-8D00578BA2C3}" type="datetimeFigureOut">
               <a:rPr lang="en-US" smtClean="0"/>
               <a:pPr/>
-              <a:t>9/28/23</a:t>
+              <a:t>10/3/23</a:t>
             </a:fld>
             <a:endParaRPr lang="en-US" dirty="0"/>
           </a:p>
@@ -2218,7 +2218,7 @@
             <a:fld id="{5586B75A-687E-405C-8A0B-8D00578BA2C3}" type="datetimeFigureOut">
               <a:rPr lang="en-US" smtClean="0"/>
               <a:pPr/>
-              <a:t>9/28/23</a:t>
+              <a:t>10/3/23</a:t>
             </a:fld>
             <a:endParaRPr lang="en-US" dirty="0"/>
           </a:p>
@@ -2338,7 +2338,7 @@
             <a:fld id="{5586B75A-687E-405C-8A0B-8D00578BA2C3}" type="datetimeFigureOut">
               <a:rPr lang="en-US" smtClean="0"/>
               <a:pPr/>
-              <a:t>9/28/23</a:t>
+              <a:t>10/3/23</a:t>
             </a:fld>
             <a:endParaRPr lang="en-US" dirty="0"/>
           </a:p>
@@ -2435,7 +2435,7 @@
             <a:fld id="{5586B75A-687E-405C-8A0B-8D00578BA2C3}" type="datetimeFigureOut">
               <a:rPr lang="en-US" smtClean="0"/>
               <a:pPr/>
-              <a:t>9/28/23</a:t>
+              <a:t>10/3/23</a:t>
             </a:fld>
             <a:endParaRPr lang="en-US" dirty="0"/>
           </a:p>
@@ -2725,7 +2725,7 @@
             <a:fld id="{5586B75A-687E-405C-8A0B-8D00578BA2C3}" type="datetimeFigureOut">
               <a:rPr lang="en-US" smtClean="0"/>
               <a:pPr/>
-              <a:t>9/28/23</a:t>
+              <a:t>10/3/23</a:t>
             </a:fld>
             <a:endParaRPr lang="en-US" dirty="0"/>
           </a:p>
@@ -3000,7 +3000,7 @@
             <a:fld id="{5586B75A-687E-405C-8A0B-8D00578BA2C3}" type="datetimeFigureOut">
               <a:rPr lang="en-US" smtClean="0"/>
               <a:pPr/>
-              <a:t>9/28/23</a:t>
+              <a:t>10/3/23</a:t>
             </a:fld>
             <a:endParaRPr lang="en-US" dirty="0"/>
           </a:p>
@@ -3299,7 +3299,7 @@
             <a:fld id="{5586B75A-687E-405C-8A0B-8D00578BA2C3}" type="datetimeFigureOut">
               <a:rPr lang="en-US" smtClean="0"/>
               <a:pPr/>
-              <a:t>9/28/23</a:t>
+              <a:t>10/3/23</a:t>
             </a:fld>
             <a:endParaRPr lang="en-US" dirty="0"/>
           </a:p>
@@ -6612,89 +6612,6 @@
       </p:grpSpPr>
       <p:sp>
         <p:nvSpPr>
-          <p:cNvPr id="2" name="Title 1">
-            <a:extLst>
-              <a:ext uri="{FF2B5EF4-FFF2-40B4-BE49-F238E27FC236}">
-                <a16:creationId xmlns:a16="http://schemas.microsoft.com/office/drawing/2014/main" id="{11681296-9B1B-56D8-BAF2-8DF356DB5FF4}"/>
-              </a:ext>
-            </a:extLst>
-          </p:cNvPr>
-          <p:cNvSpPr>
-            <a:spLocks noGrp="1"/>
-          </p:cNvSpPr>
-          <p:nvPr>
-            <p:ph type="title"/>
-          </p:nvPr>
-        </p:nvSpPr>
-        <p:spPr/>
-        <p:txBody>
-          <a:bodyPr/>
-          <a:lstStyle/>
-          <a:p>
-            <a:r>
-              <a:rPr lang="en-US" dirty="0"/>
-              <a:t>Grouping Data</a:t>
-            </a:r>
-          </a:p>
-        </p:txBody>
-      </p:sp>
-      <p:sp>
-        <p:nvSpPr>
-          <p:cNvPr id="3" name="Text Placeholder 2">
-            <a:extLst>
-              <a:ext uri="{FF2B5EF4-FFF2-40B4-BE49-F238E27FC236}">
-                <a16:creationId xmlns:a16="http://schemas.microsoft.com/office/drawing/2014/main" id="{B5730F6C-F1E2-6B40-8E17-19D543876DED}"/>
-              </a:ext>
-            </a:extLst>
-          </p:cNvPr>
-          <p:cNvSpPr>
-            <a:spLocks noGrp="1"/>
-          </p:cNvSpPr>
-          <p:nvPr>
-            <p:ph type="body" idx="1"/>
-          </p:nvPr>
-        </p:nvSpPr>
-        <p:spPr/>
-        <p:txBody>
-          <a:bodyPr/>
-          <a:lstStyle/>
-          <a:p>
-            <a:endParaRPr lang="en-US"/>
-          </a:p>
-        </p:txBody>
-      </p:sp>
-    </p:spTree>
-    <p:extLst>
-      <p:ext uri="{BB962C8B-B14F-4D97-AF65-F5344CB8AC3E}">
-        <p14:creationId xmlns:p14="http://schemas.microsoft.com/office/powerpoint/2010/main" val="3578708809"/>
-      </p:ext>
-    </p:extLst>
-  </p:cSld>
-  <p:clrMapOvr>
-    <a:masterClrMapping/>
-  </p:clrMapOvr>
-</p:sld>
-</file>
-
-<file path=ppt/slides/slide14.xml><?xml version="1.0" encoding="utf-8"?>
-<p:sld xmlns:a="http://schemas.openxmlformats.org/drawingml/2006/main" xmlns:r="http://schemas.openxmlformats.org/officeDocument/2006/relationships" xmlns:p="http://schemas.openxmlformats.org/presentationml/2006/main">
-  <p:cSld>
-    <p:spTree>
-      <p:nvGrpSpPr>
-        <p:cNvPr id="1" name=""/>
-        <p:cNvGrpSpPr/>
-        <p:nvPr/>
-      </p:nvGrpSpPr>
-      <p:grpSpPr>
-        <a:xfrm>
-          <a:off x="0" y="0"/>
-          <a:ext cx="0" cy="0"/>
-          <a:chOff x="0" y="0"/>
-          <a:chExt cx="0" cy="0"/>
-        </a:xfrm>
-      </p:grpSpPr>
-      <p:sp>
-        <p:nvSpPr>
           <p:cNvPr id="3" name="Content Placeholder 2">
             <a:extLst>
               <a:ext uri="{FF2B5EF4-FFF2-40B4-BE49-F238E27FC236}">
@@ -6891,8 +6808,18 @@
           <a:lstStyle/>
           <a:p>
             <a:r>
-              <a:rPr lang="en-US" dirty="0"/>
-              <a:t>Group Data</a:t>
+              <a:rPr lang="en-US" dirty="0" err="1">
+                <a:latin typeface="Consolas" panose="020B0609020204030204" pitchFamily="49" charset="0"/>
+                <a:cs typeface="Consolas" panose="020B0609020204030204" pitchFamily="49" charset="0"/>
+              </a:rPr>
+              <a:t>group_by</a:t>
+            </a:r>
+            <a:r>
+              <a:rPr lang="en-US" dirty="0">
+                <a:latin typeface="Consolas" panose="020B0609020204030204" pitchFamily="49" charset="0"/>
+                <a:cs typeface="Consolas" panose="020B0609020204030204" pitchFamily="49" charset="0"/>
+              </a:rPr>
+              <a:t>()</a:t>
             </a:r>
           </a:p>
         </p:txBody>
@@ -6930,6 +6857,168 @@
     <p:extLst>
       <p:ext uri="{BB962C8B-B14F-4D97-AF65-F5344CB8AC3E}">
         <p14:creationId xmlns:p14="http://schemas.microsoft.com/office/powerpoint/2010/main" val="3806646822"/>
+      </p:ext>
+    </p:extLst>
+  </p:cSld>
+  <p:clrMapOvr>
+    <a:masterClrMapping/>
+  </p:clrMapOvr>
+</p:sld>
+</file>
+
+<file path=ppt/slides/slide14.xml><?xml version="1.0" encoding="utf-8"?>
+<p:sld xmlns:a="http://schemas.openxmlformats.org/drawingml/2006/main" xmlns:r="http://schemas.openxmlformats.org/officeDocument/2006/relationships" xmlns:p="http://schemas.openxmlformats.org/presentationml/2006/main">
+  <p:cSld>
+    <p:spTree>
+      <p:nvGrpSpPr>
+        <p:cNvPr id="1" name=""/>
+        <p:cNvGrpSpPr/>
+        <p:nvPr/>
+      </p:nvGrpSpPr>
+      <p:grpSpPr>
+        <a:xfrm>
+          <a:off x="0" y="0"/>
+          <a:ext cx="0" cy="0"/>
+          <a:chOff x="0" y="0"/>
+          <a:chExt cx="0" cy="0"/>
+        </a:xfrm>
+      </p:grpSpPr>
+      <p:sp>
+        <p:nvSpPr>
+          <p:cNvPr id="3" name="Content Placeholder 2">
+            <a:extLst>
+              <a:ext uri="{FF2B5EF4-FFF2-40B4-BE49-F238E27FC236}">
+                <a16:creationId xmlns:a16="http://schemas.microsoft.com/office/drawing/2014/main" id="{EE2D95F3-876D-BA1B-1C7A-74E262A4A6CD}"/>
+              </a:ext>
+            </a:extLst>
+          </p:cNvPr>
+          <p:cNvSpPr>
+            <a:spLocks noGrp="1"/>
+          </p:cNvSpPr>
+          <p:nvPr>
+            <p:ph idx="1"/>
+          </p:nvPr>
+        </p:nvSpPr>
+        <p:spPr>
+          <a:xfrm>
+            <a:off x="3869268" y="864108"/>
+            <a:ext cx="7750646" cy="5695718"/>
+          </a:xfrm>
+        </p:spPr>
+        <p:txBody>
+          <a:bodyPr anchor="t">
+            <a:normAutofit/>
+          </a:bodyPr>
+          <a:lstStyle/>
+          <a:p>
+            <a:pPr marL="0" indent="0">
+              <a:buNone/>
+            </a:pPr>
+            <a:endParaRPr lang="en-US" sz="500" b="1" dirty="0"/>
+          </a:p>
+          <a:p>
+            <a:pPr marL="0" indent="0">
+              <a:buNone/>
+            </a:pPr>
+            <a:r>
+              <a:rPr lang="en-US" sz="2800" dirty="0">
+                <a:latin typeface="+mj-lt"/>
+              </a:rPr>
+              <a:t>Work with 1-2 other people on lab-</a:t>
+            </a:r>
+            <a:r>
+              <a:rPr lang="en-US" sz="2800" dirty="0" err="1">
+                <a:latin typeface="+mj-lt"/>
+              </a:rPr>
+              <a:t>group_by</a:t>
+            </a:r>
+            <a:endParaRPr lang="en-US" sz="2800" dirty="0">
+              <a:latin typeface="+mj-lt"/>
+            </a:endParaRPr>
+          </a:p>
+          <a:p>
+            <a:pPr marL="0" indent="0">
+              <a:buNone/>
+            </a:pPr>
+            <a:endParaRPr lang="en-US" sz="2800" dirty="0"/>
+          </a:p>
+          <a:p>
+            <a:pPr marL="0" indent="0">
+              <a:buNone/>
+            </a:pPr>
+            <a:endParaRPr lang="en-US" sz="2800" dirty="0"/>
+          </a:p>
+          <a:p>
+            <a:pPr marL="0" indent="0">
+              <a:buNone/>
+            </a:pPr>
+            <a:endParaRPr lang="en-US" sz="2800" dirty="0"/>
+          </a:p>
+          <a:p>
+            <a:pPr marL="0" indent="0">
+              <a:buNone/>
+            </a:pPr>
+            <a:endParaRPr lang="en-US" sz="2800" dirty="0"/>
+          </a:p>
+          <a:p>
+            <a:pPr marL="0" indent="0">
+              <a:buNone/>
+            </a:pPr>
+            <a:endParaRPr lang="en-US" sz="2800" dirty="0"/>
+          </a:p>
+          <a:p>
+            <a:pPr marL="0" indent="0">
+              <a:buNone/>
+            </a:pPr>
+            <a:endParaRPr lang="en-US" sz="2800" dirty="0"/>
+          </a:p>
+          <a:p>
+            <a:pPr marL="0" indent="0">
+              <a:buNone/>
+            </a:pPr>
+            <a:endParaRPr lang="en-US" sz="2800" dirty="0"/>
+          </a:p>
+        </p:txBody>
+      </p:sp>
+      <p:sp>
+        <p:nvSpPr>
+          <p:cNvPr id="10" name="Title 1">
+            <a:extLst>
+              <a:ext uri="{FF2B5EF4-FFF2-40B4-BE49-F238E27FC236}">
+                <a16:creationId xmlns:a16="http://schemas.microsoft.com/office/drawing/2014/main" id="{24A2E505-AF1A-C146-7FC5-422EE8D6CF2A}"/>
+              </a:ext>
+            </a:extLst>
+          </p:cNvPr>
+          <p:cNvSpPr>
+            <a:spLocks noGrp="1"/>
+          </p:cNvSpPr>
+          <p:nvPr>
+            <p:ph type="title"/>
+          </p:nvPr>
+        </p:nvSpPr>
+        <p:spPr>
+          <a:xfrm>
+            <a:off x="252918" y="1123837"/>
+            <a:ext cx="3126385" cy="4601183"/>
+          </a:xfrm>
+        </p:spPr>
+        <p:txBody>
+          <a:bodyPr/>
+          <a:lstStyle/>
+          <a:p>
+            <a:r>
+              <a:rPr lang="en-US" dirty="0">
+                <a:cs typeface="Consolas" panose="020B0609020204030204" pitchFamily="49" charset="0"/>
+              </a:rPr>
+              <a:t>Your turn!</a:t>
+            </a:r>
+          </a:p>
+        </p:txBody>
+      </p:sp>
+    </p:spTree>
+    <p:extLst>
+      <p:ext uri="{BB962C8B-B14F-4D97-AF65-F5344CB8AC3E}">
+        <p14:creationId xmlns:p14="http://schemas.microsoft.com/office/powerpoint/2010/main" val="1032304875"/>
       </p:ext>
     </p:extLst>
   </p:cSld>
